--- a/Document/SEMPRO_V2.pptx
+++ b/Document/SEMPRO_V2.pptx
@@ -8,10 +8,10 @@
     <p:sldMasterId id="2147483862" r:id="rId4"/>
   </p:sldMasterIdLst>
   <p:notesMasterIdLst>
-    <p:notesMasterId r:id="rId12"/>
+    <p:notesMasterId r:id="rId13"/>
   </p:notesMasterIdLst>
   <p:handoutMasterIdLst>
-    <p:handoutMasterId r:id="rId13"/>
+    <p:handoutMasterId r:id="rId14"/>
   </p:handoutMasterIdLst>
   <p:sldIdLst>
     <p:sldId id="448" r:id="rId5"/>
@@ -20,7 +20,8 @@
     <p:sldId id="458" r:id="rId8"/>
     <p:sldId id="471" r:id="rId9"/>
     <p:sldId id="472" r:id="rId10"/>
-    <p:sldId id="461" r:id="rId11"/>
+    <p:sldId id="473" r:id="rId11"/>
+    <p:sldId id="461" r:id="rId12"/>
   </p:sldIdLst>
   <p:sldSz cx="9144000" cy="6858000" type="screen4x3"/>
   <p:notesSz cx="6858000" cy="9144000"/>
@@ -130,6 +131,7 @@
             <p14:sldId id="458"/>
             <p14:sldId id="471"/>
             <p14:sldId id="472"/>
+            <p14:sldId id="473"/>
             <p14:sldId id="461"/>
           </p14:sldIdLst>
         </p14:section>
@@ -227,7 +229,7 @@
           <a:p>
             <a:fld id="{A57473C6-F235-4D76-8306-F9B8675CC3E3}" type="datetimeFigureOut">
               <a:rPr lang="en-US" smtClean="0"/>
-              <a:t>10/5/2021</a:t>
+              <a:t>10/11/2021</a:t>
             </a:fld>
             <a:endParaRPr lang="en-US"/>
           </a:p>
@@ -392,7 +394,7 @@
           <a:p>
             <a:fld id="{1CE25003-6321-498D-BE48-F7CA1ED29012}" type="datetimeFigureOut">
               <a:rPr lang="en-US" smtClean="0"/>
-              <a:t>10/5/2021</a:t>
+              <a:t>10/11/2021</a:t>
             </a:fld>
             <a:endParaRPr lang="en-US"/>
           </a:p>
@@ -1663,6 +1665,23 @@
           <a:bodyPr/>
           <a:lstStyle/>
           <a:p>
+            <a:pPr marL="0" marR="0" lvl="0" indent="0" algn="l" defTabSz="914354" rtl="0" eaLnBrk="1" fontAlgn="auto" latinLnBrk="0" hangingPunct="1">
+              <a:lnSpc>
+                <a:spcPct val="100000"/>
+              </a:lnSpc>
+              <a:spcBef>
+                <a:spcPts val="0"/>
+              </a:spcBef>
+              <a:spcAft>
+                <a:spcPts val="0"/>
+              </a:spcAft>
+              <a:buClrTx/>
+              <a:buSzTx/>
+              <a:buFontTx/>
+              <a:buNone/>
+              <a:tabLst/>
+              <a:defRPr/>
+            </a:pPr>
             <a:r>
               <a:rPr lang="en-US" sz="1200">
                 <a:solidFill>
@@ -1671,7 +1690,6 @@
               </a:rPr>
               <a:t>© Copyright Showeet.com – Creative &amp; Free PowerPoint Templates</a:t>
             </a:r>
-            <a:endParaRPr lang="en-US"/>
           </a:p>
         </p:txBody>
       </p:sp>
@@ -1740,6 +1758,158 @@
                 <a:defRPr/>
               </a:pPr>
               <a:t>7</a:t>
+            </a:fld>
+            <a:endParaRPr kumimoji="0" lang="en-US" sz="1200" b="0" i="0" u="none" strike="noStrike" kern="1200" cap="none" spc="0" normalizeH="0" baseline="0" noProof="0">
+              <a:ln>
+                <a:noFill/>
+              </a:ln>
+              <a:solidFill>
+                <a:prstClr val="black"/>
+              </a:solidFill>
+              <a:effectLst/>
+              <a:uLnTx/>
+              <a:uFillTx/>
+              <a:latin typeface="Calibri"/>
+              <a:ea typeface="+mn-ea"/>
+              <a:cs typeface="+mn-cs"/>
+            </a:endParaRPr>
+          </a:p>
+        </p:txBody>
+      </p:sp>
+    </p:spTree>
+    <p:extLst>
+      <p:ext uri="{BB962C8B-B14F-4D97-AF65-F5344CB8AC3E}">
+        <p14:creationId xmlns:p14="http://schemas.microsoft.com/office/powerpoint/2010/main" val="754915016"/>
+      </p:ext>
+    </p:extLst>
+  </p:cSld>
+  <p:clrMapOvr>
+    <a:masterClrMapping/>
+  </p:clrMapOvr>
+</p:notes>
+</file>
+
+<file path=ppt/notesSlides/notesSlide8.xml><?xml version="1.0" encoding="utf-8"?>
+<p:notes xmlns:a="http://schemas.openxmlformats.org/drawingml/2006/main" xmlns:r="http://schemas.openxmlformats.org/officeDocument/2006/relationships" xmlns:p="http://schemas.openxmlformats.org/presentationml/2006/main">
+  <p:cSld>
+    <p:spTree>
+      <p:nvGrpSpPr>
+        <p:cNvPr id="1" name=""/>
+        <p:cNvGrpSpPr/>
+        <p:nvPr/>
+      </p:nvGrpSpPr>
+      <p:grpSpPr>
+        <a:xfrm>
+          <a:off x="0" y="0"/>
+          <a:ext cx="0" cy="0"/>
+          <a:chOff x="0" y="0"/>
+          <a:chExt cx="0" cy="0"/>
+        </a:xfrm>
+      </p:grpSpPr>
+      <p:sp>
+        <p:nvSpPr>
+          <p:cNvPr id="2" name="Slide Image Placeholder 1"/>
+          <p:cNvSpPr>
+            <a:spLocks noGrp="1" noRot="1" noChangeAspect="1"/>
+          </p:cNvSpPr>
+          <p:nvPr>
+            <p:ph type="sldImg"/>
+          </p:nvPr>
+        </p:nvSpPr>
+        <p:spPr/>
+      </p:sp>
+      <p:sp>
+        <p:nvSpPr>
+          <p:cNvPr id="3" name="Notes Placeholder 2"/>
+          <p:cNvSpPr>
+            <a:spLocks noGrp="1"/>
+          </p:cNvSpPr>
+          <p:nvPr>
+            <p:ph type="body" idx="1"/>
+          </p:nvPr>
+        </p:nvSpPr>
+        <p:spPr/>
+        <p:txBody>
+          <a:bodyPr/>
+          <a:lstStyle/>
+          <a:p>
+            <a:r>
+              <a:rPr lang="en-US" sz="1200">
+                <a:solidFill>
+                  <a:prstClr val="black"/>
+                </a:solidFill>
+              </a:rPr>
+              <a:t>© Copyright Showeet.com – Creative &amp; Free PowerPoint Templates</a:t>
+            </a:r>
+            <a:endParaRPr lang="en-US"/>
+          </a:p>
+        </p:txBody>
+      </p:sp>
+      <p:sp>
+        <p:nvSpPr>
+          <p:cNvPr id="4" name="Slide Number Placeholder 3"/>
+          <p:cNvSpPr>
+            <a:spLocks noGrp="1"/>
+          </p:cNvSpPr>
+          <p:nvPr>
+            <p:ph type="sldNum" sz="quarter" idx="10"/>
+          </p:nvPr>
+        </p:nvSpPr>
+        <p:spPr/>
+        <p:txBody>
+          <a:bodyPr/>
+          <a:lstStyle/>
+          <a:p>
+            <a:pPr marL="0" marR="0" lvl="0" indent="0" algn="r" defTabSz="914354" rtl="0" eaLnBrk="1" fontAlgn="auto" latinLnBrk="0" hangingPunct="1">
+              <a:lnSpc>
+                <a:spcPct val="100000"/>
+              </a:lnSpc>
+              <a:spcBef>
+                <a:spcPts val="0"/>
+              </a:spcBef>
+              <a:spcAft>
+                <a:spcPts val="0"/>
+              </a:spcAft>
+              <a:buClrTx/>
+              <a:buSzTx/>
+              <a:buFontTx/>
+              <a:buNone/>
+              <a:tabLst/>
+              <a:defRPr/>
+            </a:pPr>
+            <a:fld id="{2CA3AB2B-189A-4C92-A457-C6A3833631A7}" type="slidenum">
+              <a:rPr kumimoji="0" lang="en-US" sz="1200" b="0" i="0" u="none" strike="noStrike" kern="1200" cap="none" spc="0" normalizeH="0" baseline="0" noProof="0" smtClean="0">
+                <a:ln>
+                  <a:noFill/>
+                </a:ln>
+                <a:solidFill>
+                  <a:prstClr val="black"/>
+                </a:solidFill>
+                <a:effectLst/>
+                <a:uLnTx/>
+                <a:uFillTx/>
+                <a:latin typeface="Calibri"/>
+                <a:ea typeface="+mn-ea"/>
+                <a:cs typeface="+mn-cs"/>
+              </a:rPr>
+              <a:pPr marL="0" marR="0" lvl="0" indent="0" algn="r" defTabSz="914354" rtl="0" eaLnBrk="1" fontAlgn="auto" latinLnBrk="0" hangingPunct="1">
+                <a:lnSpc>
+                  <a:spcPct val="100000"/>
+                </a:lnSpc>
+                <a:spcBef>
+                  <a:spcPts val="0"/>
+                </a:spcBef>
+                <a:spcAft>
+                  <a:spcPts val="0"/>
+                </a:spcAft>
+                <a:buClrTx/>
+                <a:buSzTx/>
+                <a:buFontTx/>
+                <a:buNone/>
+                <a:tabLst/>
+                <a:defRPr/>
+              </a:pPr>
+              <a:t>8</a:t>
             </a:fld>
             <a:endParaRPr kumimoji="0" lang="en-US" sz="1200" b="0" i="0" u="none" strike="noStrike" kern="1200" cap="none" spc="0" normalizeH="0" baseline="0" noProof="0">
               <a:ln>
@@ -22168,7 +22338,7 @@
         </p:nvSpPr>
         <p:spPr>
           <a:xfrm>
-            <a:off x="1789291" y="3444033"/>
+            <a:off x="1769772" y="3755297"/>
             <a:ext cx="2236565" cy="415498"/>
           </a:xfrm>
           <a:prstGeom prst="rect">
@@ -22190,14 +22360,8 @@
                 </a:solidFill>
                 <a:latin typeface="Calibri" panose="020F0502020204030204"/>
               </a:rPr>
-              <a:t>Purpose</a:t>
+              <a:t>Research Question</a:t>
             </a:r>
-            <a:endParaRPr lang="en-US" b="1" dirty="0">
-              <a:solidFill>
-                <a:srgbClr val="403551"/>
-              </a:solidFill>
-              <a:latin typeface="Calibri" panose="020F0502020204030204"/>
-            </a:endParaRPr>
           </a:p>
         </p:txBody>
       </p:sp>
@@ -22215,7 +22379,7 @@
         </p:nvSpPr>
         <p:spPr>
           <a:xfrm>
-            <a:off x="6024343" y="2316783"/>
+            <a:off x="6024343" y="2437973"/>
             <a:ext cx="2236565" cy="415498"/>
           </a:xfrm>
           <a:prstGeom prst="rect">
@@ -22237,7 +22401,7 @@
                 </a:solidFill>
                 <a:latin typeface="Calibri" panose="020F0502020204030204"/>
               </a:rPr>
-              <a:t>Tools</a:t>
+              <a:t>Objection</a:t>
             </a:r>
             <a:endParaRPr lang="en-US" b="1" dirty="0">
               <a:solidFill>
@@ -22262,7 +22426,7 @@
         </p:nvSpPr>
         <p:spPr>
           <a:xfrm>
-            <a:off x="6024343" y="3444033"/>
+            <a:off x="6115050" y="3547548"/>
             <a:ext cx="2236565" cy="415498"/>
           </a:xfrm>
           <a:prstGeom prst="rect">
@@ -22284,7 +22448,7 @@
                 </a:solidFill>
                 <a:latin typeface="Calibri" panose="020F0502020204030204"/>
               </a:rPr>
-              <a:t>Design Overview</a:t>
+              <a:t>Scope</a:t>
             </a:r>
             <a:endParaRPr lang="en-US" b="1" dirty="0">
               <a:solidFill>
@@ -23663,6 +23827,196 @@
           </p:txBody>
         </p:sp>
       </p:grpSp>
+      <p:sp>
+        <p:nvSpPr>
+          <p:cNvPr id="39" name="Figure">
+            <a:extLst>
+              <a:ext uri="{FF2B5EF4-FFF2-40B4-BE49-F238E27FC236}">
+                <a16:creationId xmlns:a16="http://schemas.microsoft.com/office/drawing/2014/main" id="{CDE6D832-B371-482B-954C-31A85668647A}"/>
+              </a:ext>
+            </a:extLst>
+          </p:cNvPr>
+          <p:cNvSpPr/>
+          <p:nvPr/>
+        </p:nvSpPr>
+        <p:spPr>
+          <a:xfrm>
+            <a:off x="2686050" y="4826738"/>
+            <a:ext cx="949719" cy="653018"/>
+          </a:xfrm>
+          <a:custGeom>
+            <a:avLst/>
+            <a:gdLst/>
+            <a:ahLst/>
+            <a:cxnLst>
+              <a:cxn ang="0">
+                <a:pos x="wd2" y="hd2"/>
+              </a:cxn>
+              <a:cxn ang="5400000">
+                <a:pos x="wd2" y="hd2"/>
+              </a:cxn>
+              <a:cxn ang="10800000">
+                <a:pos x="wd2" y="hd2"/>
+              </a:cxn>
+              <a:cxn ang="16200000">
+                <a:pos x="wd2" y="hd2"/>
+              </a:cxn>
+            </a:cxnLst>
+            <a:rect l="0" t="0" r="r" b="b"/>
+            <a:pathLst>
+              <a:path w="21600" h="19116" extrusionOk="0">
+                <a:moveTo>
+                  <a:pt x="0" y="7130"/>
+                </a:moveTo>
+                <a:cubicBezTo>
+                  <a:pt x="0" y="12861"/>
+                  <a:pt x="8015" y="19116"/>
+                  <a:pt x="12433" y="19116"/>
+                </a:cubicBezTo>
+                <a:cubicBezTo>
+                  <a:pt x="16851" y="19116"/>
+                  <a:pt x="21600" y="12861"/>
+                  <a:pt x="21600" y="7130"/>
+                </a:cubicBezTo>
+                <a:cubicBezTo>
+                  <a:pt x="21600" y="1399"/>
+                  <a:pt x="19736" y="-2484"/>
+                  <a:pt x="13206" y="1861"/>
+                </a:cubicBezTo>
+                <a:cubicBezTo>
+                  <a:pt x="9285" y="4482"/>
+                  <a:pt x="0" y="1399"/>
+                  <a:pt x="0" y="7130"/>
+                </a:cubicBezTo>
+                <a:close/>
+              </a:path>
+            </a:pathLst>
+          </a:custGeom>
+          <a:solidFill>
+            <a:schemeClr val="accent1">
+              <a:alpha val="80000"/>
+            </a:schemeClr>
+          </a:solidFill>
+          <a:ln w="12700">
+            <a:miter lim="400000"/>
+          </a:ln>
+        </p:spPr>
+        <p:txBody>
+          <a:bodyPr lIns="28575" tIns="28575" rIns="28575" bIns="28575" anchor="ctr"/>
+          <a:lstStyle/>
+          <a:p>
+            <a:pPr algn="ctr" defTabSz="342900" hangingPunct="0">
+              <a:defRPr sz="3000">
+                <a:solidFill>
+                  <a:srgbClr val="FFFFFF"/>
+                </a:solidFill>
+                <a:effectLst>
+                  <a:outerShdw blurRad="38100" dist="12700" dir="5400000" rotWithShape="0">
+                    <a:srgbClr val="000000">
+                      <a:alpha val="50000"/>
+                    </a:srgbClr>
+                  </a:outerShdw>
+                </a:effectLst>
+              </a:defRPr>
+            </a:pPr>
+            <a:r>
+              <a:rPr lang="en-US" sz="2700" b="1" kern="0" dirty="0" smtClean="0">
+                <a:solidFill>
+                  <a:srgbClr val="FFFFFF"/>
+                </a:solidFill>
+                <a:effectLst>
+                  <a:outerShdw blurRad="38100" dist="12700" dir="5400000" rotWithShape="0">
+                    <a:srgbClr val="000000">
+                      <a:alpha val="50000"/>
+                    </a:srgbClr>
+                  </a:outerShdw>
+                </a:effectLst>
+                <a:latin typeface="Calibri" panose="020F0502020204030204"/>
+                <a:sym typeface="Gill Sans"/>
+              </a:rPr>
+              <a:t>05</a:t>
+            </a:r>
+            <a:endParaRPr sz="2250" kern="0" dirty="0">
+              <a:solidFill>
+                <a:srgbClr val="FFFFFF"/>
+              </a:solidFill>
+              <a:effectLst>
+                <a:outerShdw blurRad="38100" dist="12700" dir="5400000" rotWithShape="0">
+                  <a:srgbClr val="000000">
+                    <a:alpha val="50000"/>
+                  </a:srgbClr>
+                </a:outerShdw>
+              </a:effectLst>
+              <a:latin typeface="Gill Sans"/>
+              <a:sym typeface="Gill Sans"/>
+            </a:endParaRPr>
+          </a:p>
+        </p:txBody>
+      </p:sp>
+      <p:sp>
+        <p:nvSpPr>
+          <p:cNvPr id="40" name="TextBox 39">
+            <a:extLst>
+              <a:ext uri="{FF2B5EF4-FFF2-40B4-BE49-F238E27FC236}">
+                <a16:creationId xmlns:a16="http://schemas.microsoft.com/office/drawing/2014/main" id="{12C40FFA-3EF7-4EFD-B587-051D8788C633}"/>
+              </a:ext>
+            </a:extLst>
+          </p:cNvPr>
+          <p:cNvSpPr txBox="1"/>
+          <p:nvPr/>
+        </p:nvSpPr>
+        <p:spPr>
+          <a:xfrm>
+            <a:off x="3655598" y="4678740"/>
+            <a:ext cx="2236565" cy="692497"/>
+          </a:xfrm>
+          <a:prstGeom prst="rect">
+            <a:avLst/>
+          </a:prstGeom>
+          <a:noFill/>
+        </p:spPr>
+        <p:txBody>
+          <a:bodyPr wrap="square" tIns="137160" bIns="0" rtlCol="0" anchor="b">
+            <a:spAutoFit/>
+          </a:bodyPr>
+          <a:lstStyle/>
+          <a:p>
+            <a:pPr defTabSz="685766"/>
+            <a:r>
+              <a:rPr lang="en-US" b="1" dirty="0" smtClean="0">
+                <a:solidFill>
+                  <a:srgbClr val="403551"/>
+                </a:solidFill>
+                <a:latin typeface="Calibri" panose="020F0502020204030204"/>
+              </a:rPr>
+              <a:t>Expected</a:t>
+            </a:r>
+            <a:br>
+              <a:rPr lang="en-US" b="1" dirty="0" smtClean="0">
+                <a:solidFill>
+                  <a:srgbClr val="403551"/>
+                </a:solidFill>
+                <a:latin typeface="Calibri" panose="020F0502020204030204"/>
+              </a:rPr>
+            </a:br>
+            <a:r>
+              <a:rPr lang="en-US" b="1" dirty="0" smtClean="0">
+                <a:solidFill>
+                  <a:srgbClr val="403551"/>
+                </a:solidFill>
+                <a:latin typeface="Calibri" panose="020F0502020204030204"/>
+              </a:rPr>
+              <a:t>Result</a:t>
+            </a:r>
+            <a:endParaRPr lang="en-US" b="1" dirty="0">
+              <a:solidFill>
+                <a:srgbClr val="403551"/>
+              </a:solidFill>
+              <a:latin typeface="Calibri" panose="020F0502020204030204"/>
+            </a:endParaRPr>
+          </a:p>
+        </p:txBody>
+      </p:sp>
     </p:spTree>
     <p:extLst>
       <p:ext uri="{BB962C8B-B14F-4D97-AF65-F5344CB8AC3E}">
@@ -23942,7 +24296,7 @@
           <a:p>
             <a:r>
               <a:rPr lang="en-US" dirty="0" smtClean="0"/>
-              <a:t>Purpose</a:t>
+              <a:t>Research Question</a:t>
             </a:r>
             <a:endParaRPr lang="en-US" dirty="0"/>
           </a:p>
@@ -23960,39 +24314,74 @@
         </p:nvSpPr>
         <p:spPr>
           <a:xfrm>
-            <a:off x="628650" y="2573468"/>
-            <a:ext cx="7886700" cy="2067806"/>
+            <a:off x="658915" y="1805372"/>
+            <a:ext cx="7886700" cy="3461572"/>
           </a:xfrm>
         </p:spPr>
         <p:txBody>
           <a:bodyPr/>
           <a:lstStyle/>
           <a:p>
-            <a:pPr marL="0" indent="0">
+            <a:pPr>
               <a:lnSpc>
                 <a:spcPct val="100000"/>
               </a:lnSpc>
-              <a:buNone/>
+              <a:buFont typeface="Arial" panose="020B0604020202020204" pitchFamily="34" charset="0"/>
+              <a:buChar char="•"/>
             </a:pPr>
             <a:r>
-              <a:rPr lang="en-ID" dirty="0" smtClean="0"/>
-              <a:t>	Utilizing </a:t>
+              <a:rPr lang="en-ID" dirty="0"/>
+              <a:t>How to build a system that can monitor multiple farms selectively based on </a:t>
             </a:r>
             <a:r>
               <a:rPr lang="en-ID" dirty="0" err="1"/>
+              <a:t>IoT</a:t>
+            </a:r>
+            <a:r>
+              <a:rPr lang="en-ID" dirty="0"/>
+              <a:t> remotely using </a:t>
+            </a:r>
+            <a:r>
+              <a:rPr lang="en-ID" i="1" dirty="0" err="1"/>
               <a:t>LoRa</a:t>
             </a:r>
             <a:r>
               <a:rPr lang="en-ID" dirty="0"/>
-              <a:t> technology, where it is used to send </a:t>
+              <a:t>?</a:t>
+            </a:r>
+          </a:p>
+          <a:p>
+            <a:pPr>
+              <a:lnSpc>
+                <a:spcPct val="100000"/>
+              </a:lnSpc>
+              <a:buFont typeface="Arial" panose="020B0604020202020204" pitchFamily="34" charset="0"/>
+              <a:buChar char="•"/>
+            </a:pPr>
+            <a:r>
+              <a:rPr lang="en-US" dirty="0" smtClean="0"/>
+              <a:t>Can </a:t>
             </a:r>
             <a:r>
-              <a:rPr lang="en-ID" dirty="0" smtClean="0"/>
-              <a:t>packet </a:t>
+              <a:rPr lang="en-US" dirty="0" err="1" smtClean="0"/>
+              <a:t>LoRa</a:t>
             </a:r>
             <a:r>
-              <a:rPr lang="en-ID" dirty="0"/>
-              <a:t>that has been obtained through sensors programmed through Arduino. Here time is efficient for monitoring system</a:t>
+              <a:rPr lang="en-US" dirty="0" smtClean="0"/>
+              <a:t> use in this project transmit data in real time?</a:t>
+            </a:r>
+          </a:p>
+          <a:p>
+            <a:pPr>
+              <a:lnSpc>
+                <a:spcPct val="100000"/>
+              </a:lnSpc>
+              <a:buFont typeface="Arial" panose="020B0604020202020204" pitchFamily="34" charset="0"/>
+              <a:buChar char="•"/>
+            </a:pPr>
+            <a:r>
+              <a:rPr lang="en-US" dirty="0" smtClean="0"/>
+              <a:t>What features are available in the website application that will be built to make the work of farmers</a:t>
             </a:r>
             <a:endParaRPr lang="en-US" dirty="0"/>
           </a:p>
@@ -24178,7 +24567,7 @@
           <a:p>
             <a:r>
               <a:rPr lang="en-US" dirty="0" smtClean="0"/>
-              <a:t>Tools</a:t>
+              <a:t>Objection</a:t>
             </a:r>
             <a:endParaRPr lang="en-US" dirty="0"/>
           </a:p>
@@ -24201,78 +24590,54 @@
           </a:xfrm>
         </p:spPr>
         <p:txBody>
-          <a:bodyPr/>
+          <a:bodyPr>
+            <a:normAutofit/>
+          </a:bodyPr>
           <a:lstStyle/>
           <a:p>
-            <a:pPr>
+            <a:pPr marL="0" indent="0">
               <a:lnSpc>
                 <a:spcPct val="100000"/>
               </a:lnSpc>
-              <a:buFont typeface="Arial" panose="020B0604020202020204" pitchFamily="34" charset="0"/>
-              <a:buChar char="•"/>
+              <a:buNone/>
             </a:pPr>
             <a:r>
-              <a:rPr lang="en-US" dirty="0" smtClean="0"/>
-              <a:t>Lora (Sender and Transmitter)</a:t>
-            </a:r>
-          </a:p>
-          <a:p>
-            <a:pPr>
-              <a:lnSpc>
-                <a:spcPct val="100000"/>
-              </a:lnSpc>
-              <a:buFont typeface="Arial" panose="020B0604020202020204" pitchFamily="34" charset="0"/>
-              <a:buChar char="•"/>
-            </a:pPr>
-            <a:r>
-              <a:rPr lang="en-US" dirty="0" smtClean="0"/>
-              <a:t>Sensor </a:t>
+              <a:rPr lang="en-US" sz="2800" dirty="0" smtClean="0"/>
+              <a:t>	To </a:t>
             </a:r>
             <a:r>
-              <a:rPr lang="en-US" i="1" dirty="0" smtClean="0"/>
-              <a:t>Soil Moisture</a:t>
+              <a:rPr lang="en-US" sz="2800" dirty="0" err="1" smtClean="0"/>
+              <a:t>designthis</a:t>
             </a:r>
             <a:r>
-              <a:rPr lang="en-US" dirty="0" smtClean="0"/>
-              <a:t> </a:t>
+              <a:rPr lang="en-US" sz="2800" dirty="0" smtClean="0"/>
+              <a:t> agricultural monitoring system, here we use 2 farms as object from this system monitoring, whereas at location we locate 2 </a:t>
             </a:r>
-            <a:endParaRPr lang="en-US" dirty="0" smtClean="0"/>
-          </a:p>
-          <a:p>
-            <a:pPr>
-              <a:lnSpc>
-                <a:spcPct val="100000"/>
-              </a:lnSpc>
-              <a:buFont typeface="Arial" panose="020B0604020202020204" pitchFamily="34" charset="0"/>
-              <a:buChar char="•"/>
-            </a:pPr>
             <a:r>
-              <a:rPr lang="en-US" dirty="0" smtClean="0"/>
-              <a:t>Arduino IDE</a:t>
+              <a:rPr lang="en-US" sz="2800" i="1" dirty="0" err="1" smtClean="0"/>
+              <a:t>LoRa</a:t>
             </a:r>
-          </a:p>
-          <a:p>
-            <a:pPr>
-              <a:lnSpc>
-                <a:spcPct val="100000"/>
-              </a:lnSpc>
-              <a:buFont typeface="Arial" panose="020B0604020202020204" pitchFamily="34" charset="0"/>
-              <a:buChar char="•"/>
-            </a:pPr>
-            <a:endParaRPr lang="en-US" dirty="0" smtClean="0"/>
-          </a:p>
-          <a:p>
-            <a:pPr>
-              <a:lnSpc>
-                <a:spcPct val="100000"/>
-              </a:lnSpc>
-              <a:buFont typeface="Arial" panose="020B0604020202020204" pitchFamily="34" charset="0"/>
-              <a:buChar char="•"/>
-            </a:pPr>
             <a:r>
-              <a:rPr lang="en-US" sz="2000" dirty="0" smtClean="0"/>
-              <a:t>Web server (For display the received packet)</a:t>
+              <a:rPr lang="en-US" sz="2800" dirty="0" smtClean="0"/>
+              <a:t> senders to send the data packet from the sensors. After that, here we use another </a:t>
             </a:r>
+            <a:r>
+              <a:rPr lang="en-US" sz="2800" i="1" dirty="0" err="1" smtClean="0"/>
+              <a:t>LoRa</a:t>
+            </a:r>
+            <a:r>
+              <a:rPr lang="en-US" sz="2800" dirty="0" smtClean="0"/>
+              <a:t> as the recipient of data packets that have been sent from </a:t>
+            </a:r>
+            <a:r>
+              <a:rPr lang="en-US" sz="2800" i="1" dirty="0" err="1" smtClean="0"/>
+              <a:t>LoRa</a:t>
+            </a:r>
+            <a:r>
+              <a:rPr lang="en-US" sz="2800" dirty="0" smtClean="0"/>
+              <a:t> sender in real time. After that, we will display the data via the web server. </a:t>
+            </a:r>
+            <a:endParaRPr lang="en-US" sz="2800" dirty="0" smtClean="0"/>
           </a:p>
         </p:txBody>
       </p:sp>
@@ -24401,30 +24766,6 @@
           </a:p>
         </p:txBody>
       </p:sp>
-      <p:pic>
-        <p:nvPicPr>
-          <p:cNvPr id="3" name="Picture 2"/>
-          <p:cNvPicPr>
-            <a:picLocks noChangeAspect="1"/>
-          </p:cNvPicPr>
-          <p:nvPr/>
-        </p:nvPicPr>
-        <p:blipFill>
-          <a:blip r:embed="rId3"/>
-          <a:stretch>
-            <a:fillRect/>
-          </a:stretch>
-        </p:blipFill>
-        <p:spPr>
-          <a:xfrm>
-            <a:off x="5523486" y="1138035"/>
-            <a:ext cx="745673" cy="1354630"/>
-          </a:xfrm>
-          <a:prstGeom prst="rect">
-            <a:avLst/>
-          </a:prstGeom>
-        </p:spPr>
-      </p:pic>
       <p:sp>
         <p:nvSpPr>
           <p:cNvPr id="9" name="AutoShape 2" descr="GitHub - arduino/Arduino: open-source electronics platform"/>
@@ -24464,112 +24805,6 @@
           </a:p>
         </p:txBody>
       </p:sp>
-      <p:pic>
-        <p:nvPicPr>
-          <p:cNvPr id="2052" name="Picture 4" descr="https://encrypted-tbn0.gstatic.com/images?q=tbn:ANd9GcQ0XFfgFWOiRMR7AFugE_mzXsLfLPz1_8LAPw&amp;usqp=CAU"/>
-          <p:cNvPicPr>
-            <a:picLocks noChangeAspect="1" noChangeArrowheads="1"/>
-          </p:cNvPicPr>
-          <p:nvPr/>
-        </p:nvPicPr>
-        <p:blipFill>
-          <a:blip r:embed="rId4" cstate="hqprint">
-            <a:extLst>
-              <a:ext uri="{28A0092B-C50C-407E-A947-70E740481C1C}">
-                <a14:useLocalDpi xmlns:a14="http://schemas.microsoft.com/office/drawing/2010/main" val="0"/>
-              </a:ext>
-            </a:extLst>
-          </a:blip>
-          <a:srcRect/>
-          <a:stretch>
-            <a:fillRect/>
-          </a:stretch>
-        </p:blipFill>
-        <p:spPr bwMode="auto">
-          <a:xfrm>
-            <a:off x="3018417" y="2748449"/>
-            <a:ext cx="739255" cy="739255"/>
-          </a:xfrm>
-          <a:prstGeom prst="rect">
-            <a:avLst/>
-          </a:prstGeom>
-          <a:noFill/>
-          <a:extLst>
-            <a:ext uri="{909E8E84-426E-40DD-AFC4-6F175D3DCCD1}">
-              <a14:hiddenFill xmlns:a14="http://schemas.microsoft.com/office/drawing/2010/main">
-                <a:solidFill>
-                  <a:srgbClr val="FFFFFF"/>
-                </a:solidFill>
-              </a14:hiddenFill>
-            </a:ext>
-          </a:extLst>
-        </p:spPr>
-      </p:pic>
-      <p:pic>
-        <p:nvPicPr>
-          <p:cNvPr id="2054" name="Picture 6" descr="https://i1.wp.com/randomnerdtutorials.com/wp-content/uploads/2019/11/LoRa-Web-Server-Sensor-Readings-ESP32-BME280.png?w=450&amp;quality=100&amp;strip=all&amp;ssl=1"/>
-          <p:cNvPicPr>
-            <a:picLocks noChangeAspect="1" noChangeArrowheads="1"/>
-          </p:cNvPicPr>
-          <p:nvPr/>
-        </p:nvPicPr>
-        <p:blipFill>
-          <a:blip r:embed="rId5">
-            <a:extLst>
-              <a:ext uri="{28A0092B-C50C-407E-A947-70E740481C1C}">
-                <a14:useLocalDpi xmlns:a14="http://schemas.microsoft.com/office/drawing/2010/main" val="0"/>
-              </a:ext>
-            </a:extLst>
-          </a:blip>
-          <a:srcRect/>
-          <a:stretch>
-            <a:fillRect/>
-          </a:stretch>
-        </p:blipFill>
-        <p:spPr bwMode="auto">
-          <a:xfrm>
-            <a:off x="5862912" y="2930035"/>
-            <a:ext cx="1457483" cy="2824278"/>
-          </a:xfrm>
-          <a:prstGeom prst="rect">
-            <a:avLst/>
-          </a:prstGeom>
-          <a:noFill/>
-          <a:extLst>
-            <a:ext uri="{909E8E84-426E-40DD-AFC4-6F175D3DCCD1}">
-              <a14:hiddenFill xmlns:a14="http://schemas.microsoft.com/office/drawing/2010/main">
-                <a:solidFill>
-                  <a:srgbClr val="FFFFFF"/>
-                </a:solidFill>
-              </a14:hiddenFill>
-            </a:ext>
-          </a:extLst>
-        </p:spPr>
-      </p:pic>
-      <p:pic>
-        <p:nvPicPr>
-          <p:cNvPr id="11" name="Picture 10"/>
-          <p:cNvPicPr>
-            <a:picLocks noChangeAspect="1"/>
-          </p:cNvPicPr>
-          <p:nvPr/>
-        </p:nvPicPr>
-        <p:blipFill>
-          <a:blip r:embed="rId6"/>
-          <a:stretch>
-            <a:fillRect/>
-          </a:stretch>
-        </p:blipFill>
-        <p:spPr>
-          <a:xfrm>
-            <a:off x="4091873" y="2077687"/>
-            <a:ext cx="1152167" cy="1040390"/>
-          </a:xfrm>
-          <a:prstGeom prst="rect">
-            <a:avLst/>
-          </a:prstGeom>
-        </p:spPr>
-      </p:pic>
     </p:spTree>
     <p:extLst>
       <p:ext uri="{BB962C8B-B14F-4D97-AF65-F5344CB8AC3E}">
@@ -24626,7 +24861,7 @@
           <a:p>
             <a:r>
               <a:rPr lang="en-US" dirty="0" smtClean="0"/>
-              <a:t>Design Overview</a:t>
+              <a:t>Scope</a:t>
             </a:r>
             <a:endParaRPr lang="en-US" dirty="0"/>
           </a:p>
@@ -24650,7 +24885,7 @@
         </p:spPr>
         <p:txBody>
           <a:bodyPr>
-            <a:normAutofit/>
+            <a:noAutofit/>
           </a:bodyPr>
           <a:lstStyle/>
           <a:p>
@@ -24662,23 +24897,16 @@
               <a:buChar char="•"/>
             </a:pPr>
             <a:r>
-              <a:rPr lang="en-US" sz="2000" dirty="0" err="1" smtClean="0"/>
+              <a:rPr lang="en-US" sz="3200" dirty="0" smtClean="0"/>
+              <a:t>User will use </a:t>
+            </a:r>
+            <a:r>
+              <a:rPr lang="en-US" sz="3200" i="1" dirty="0" err="1" smtClean="0"/>
               <a:t>LoRa</a:t>
             </a:r>
             <a:r>
-              <a:rPr lang="en-US" sz="2000" dirty="0" smtClean="0"/>
-              <a:t> SENDER sends BME sensor data via </a:t>
-            </a:r>
-            <a:br>
-              <a:rPr lang="en-US" sz="2000" dirty="0" smtClean="0"/>
-            </a:br>
-            <a:r>
-              <a:rPr lang="en-US" sz="2000" dirty="0" err="1" smtClean="0"/>
-              <a:t>LoRa</a:t>
-            </a:r>
-            <a:r>
-              <a:rPr lang="en-US" sz="2000" dirty="0" smtClean="0"/>
-              <a:t> Radio.</a:t>
+              <a:rPr lang="en-US" sz="3200" dirty="0" smtClean="0"/>
+              <a:t> for monitor two farms from long range with a real-time monitoring.</a:t>
             </a:r>
           </a:p>
           <a:p>
@@ -24690,27 +24918,28 @@
               <a:buChar char="•"/>
             </a:pPr>
             <a:r>
-              <a:rPr lang="en-US" sz="2000" dirty="0" err="1" smtClean="0"/>
+              <a:rPr lang="en-US" sz="3200" dirty="0" smtClean="0"/>
+              <a:t>Use will use </a:t>
+            </a:r>
+            <a:r>
+              <a:rPr lang="en-US" sz="3200" i="1" dirty="0" smtClean="0"/>
+              <a:t>Arduino</a:t>
+            </a:r>
+            <a:r>
+              <a:rPr lang="en-US" sz="3200" dirty="0" smtClean="0"/>
+              <a:t> to control </a:t>
+            </a:r>
+            <a:r>
+              <a:rPr lang="en-US" sz="3200" i="1" dirty="0" err="1" smtClean="0"/>
               <a:t>LoRa</a:t>
             </a:r>
             <a:r>
-              <a:rPr lang="en-US" sz="2000" dirty="0" smtClean="0"/>
-              <a:t> Receiver gets the packet from </a:t>
+              <a:rPr lang="en-US" sz="3200" i="1" dirty="0" smtClean="0"/>
+              <a:t> sender </a:t>
             </a:r>
             <a:r>
-              <a:rPr lang="en-US" sz="2000" dirty="0" err="1" smtClean="0"/>
-              <a:t>LoRa</a:t>
-            </a:r>
-            <a:r>
-              <a:rPr lang="en-US" sz="2000" dirty="0" smtClean="0"/>
-              <a:t/>
-            </a:r>
-            <a:br>
-              <a:rPr lang="en-US" sz="2000" dirty="0" smtClean="0"/>
-            </a:br>
-            <a:r>
-              <a:rPr lang="en-US" sz="2000" dirty="0" smtClean="0"/>
-              <a:t>SENDER.</a:t>
+              <a:rPr lang="en-US" sz="3200" dirty="0" smtClean="0"/>
+              <a:t>repeatedly.</a:t>
             </a:r>
           </a:p>
           <a:p>
@@ -24722,16 +24951,22 @@
               <a:buChar char="•"/>
             </a:pPr>
             <a:r>
-              <a:rPr lang="en-US" sz="2000" dirty="0" smtClean="0"/>
-              <a:t>After received, we can monitor the result</a:t>
+              <a:rPr lang="en-US" sz="3200" dirty="0" smtClean="0"/>
+              <a:t>User will receive the data from </a:t>
             </a:r>
-            <a:br>
-              <a:rPr lang="en-US" sz="2000" dirty="0" smtClean="0"/>
-            </a:br>
             <a:r>
-              <a:rPr lang="en-US" sz="2000" dirty="0" smtClean="0"/>
-              <a:t>by accessing the web server.</a:t>
+              <a:rPr lang="en-US" sz="3200" i="1" dirty="0" err="1" smtClean="0"/>
+              <a:t>LoRa</a:t>
             </a:r>
+            <a:r>
+              <a:rPr lang="en-US" sz="3200" i="1" dirty="0" smtClean="0"/>
+              <a:t> sender</a:t>
+            </a:r>
+            <a:r>
+              <a:rPr lang="en-US" sz="3200" dirty="0" smtClean="0"/>
+              <a:t> via web server.</a:t>
+            </a:r>
+            <a:endParaRPr lang="en-US" sz="3200" dirty="0" smtClean="0"/>
           </a:p>
         </p:txBody>
       </p:sp>
@@ -24899,47 +25134,6 @@
           </a:p>
         </p:txBody>
       </p:sp>
-      <p:pic>
-        <p:nvPicPr>
-          <p:cNvPr id="5122" name="Picture 2" descr="https://i0.wp.com/randomnerdtutorials.com/wp-content/uploads/2019/11/esp32-lora-oled-web-server-overview.png?w=730&amp;quality=100&amp;strip=all&amp;ssl=1"/>
-          <p:cNvPicPr>
-            <a:picLocks noChangeAspect="1" noChangeArrowheads="1"/>
-          </p:cNvPicPr>
-          <p:nvPr/>
-        </p:nvPicPr>
-        <p:blipFill>
-          <a:blip r:embed="rId3">
-            <a:extLst>
-              <a:ext uri="{28A0092B-C50C-407E-A947-70E740481C1C}">
-                <a14:useLocalDpi xmlns:a14="http://schemas.microsoft.com/office/drawing/2010/main" val="0"/>
-              </a:ext>
-            </a:extLst>
-          </a:blip>
-          <a:srcRect/>
-          <a:stretch>
-            <a:fillRect/>
-          </a:stretch>
-        </p:blipFill>
-        <p:spPr bwMode="auto">
-          <a:xfrm>
-            <a:off x="5340796" y="1822612"/>
-            <a:ext cx="3563430" cy="3968588"/>
-          </a:xfrm>
-          <a:prstGeom prst="rect">
-            <a:avLst/>
-          </a:prstGeom>
-          <a:noFill/>
-          <a:extLst>
-            <a:ext uri="{909E8E84-426E-40DD-AFC4-6F175D3DCCD1}">
-              <a14:hiddenFill xmlns:a14="http://schemas.microsoft.com/office/drawing/2010/main">
-                <a:solidFill>
-                  <a:srgbClr val="FFFFFF"/>
-                </a:solidFill>
-              </a14:hiddenFill>
-            </a:ext>
-          </a:extLst>
-        </p:spPr>
-      </p:pic>
     </p:spTree>
     <p:extLst>
       <p:ext uri="{BB962C8B-B14F-4D97-AF65-F5344CB8AC3E}">
@@ -24979,6 +25173,292 @@
       </p:grpSpPr>
       <p:sp>
         <p:nvSpPr>
+          <p:cNvPr id="4" name="Title 3"/>
+          <p:cNvSpPr>
+            <a:spLocks noGrp="1"/>
+          </p:cNvSpPr>
+          <p:nvPr>
+            <p:ph type="title"/>
+          </p:nvPr>
+        </p:nvSpPr>
+        <p:spPr/>
+        <p:txBody>
+          <a:bodyPr>
+            <a:normAutofit/>
+          </a:bodyPr>
+          <a:lstStyle/>
+          <a:p>
+            <a:r>
+              <a:rPr lang="en-US" dirty="0" smtClean="0"/>
+              <a:t>Expected Result</a:t>
+            </a:r>
+            <a:endParaRPr lang="en-US" dirty="0"/>
+          </a:p>
+        </p:txBody>
+      </p:sp>
+      <p:sp>
+        <p:nvSpPr>
+          <p:cNvPr id="16" name="Content Placeholder 15"/>
+          <p:cNvSpPr>
+            <a:spLocks noGrp="1"/>
+          </p:cNvSpPr>
+          <p:nvPr>
+            <p:ph idx="1"/>
+          </p:nvPr>
+        </p:nvSpPr>
+        <p:spPr>
+          <a:xfrm>
+            <a:off x="524768" y="2261961"/>
+            <a:ext cx="7990582" cy="2751942"/>
+          </a:xfrm>
+        </p:spPr>
+        <p:txBody>
+          <a:bodyPr>
+            <a:normAutofit/>
+          </a:bodyPr>
+          <a:lstStyle/>
+          <a:p>
+            <a:pPr marL="0" indent="0">
+              <a:lnSpc>
+                <a:spcPct val="100000"/>
+              </a:lnSpc>
+              <a:buNone/>
+            </a:pPr>
+            <a:r>
+              <a:rPr lang="en-US" sz="2000" dirty="0"/>
+              <a:t>	</a:t>
+            </a:r>
+            <a:r>
+              <a:rPr lang="en-US" sz="2400" dirty="0" smtClean="0"/>
+              <a:t>From this system monitoring, the expected result is system can monitors many farms from long range using tools that named as </a:t>
+            </a:r>
+            <a:r>
+              <a:rPr lang="en-US" sz="2400" i="1" dirty="0" err="1" smtClean="0"/>
+              <a:t>LoRa</a:t>
+            </a:r>
+            <a:r>
+              <a:rPr lang="en-US" sz="2400" dirty="0" smtClean="0"/>
+              <a:t>. Farmer that has more than one farms can monitor their farms using this system, which is this system monitors the soil moisture and the temperature. All data from sensors will send to </a:t>
+            </a:r>
+            <a:r>
+              <a:rPr lang="en-US" sz="2400" i="1" dirty="0" err="1" smtClean="0"/>
+              <a:t>LoRa</a:t>
+            </a:r>
+            <a:r>
+              <a:rPr lang="en-US" sz="2400" i="1" dirty="0" smtClean="0"/>
+              <a:t> receiver</a:t>
+            </a:r>
+            <a:r>
+              <a:rPr lang="en-US" sz="2400" dirty="0" smtClean="0"/>
+              <a:t>, and displayed via web server.</a:t>
+            </a:r>
+            <a:endParaRPr lang="en-US" sz="2400" dirty="0" smtClean="0"/>
+          </a:p>
+        </p:txBody>
+      </p:sp>
+      <p:sp>
+        <p:nvSpPr>
+          <p:cNvPr id="5" name="Date Placeholder 4"/>
+          <p:cNvSpPr>
+            <a:spLocks noGrp="1"/>
+          </p:cNvSpPr>
+          <p:nvPr>
+            <p:ph type="dt" sz="half" idx="10"/>
+          </p:nvPr>
+        </p:nvSpPr>
+        <p:spPr/>
+        <p:txBody>
+          <a:bodyPr/>
+          <a:lstStyle/>
+          <a:p>
+            <a:pPr defTabSz="685766"/>
+            <a:r>
+              <a:rPr lang="en-US" dirty="0">
+                <a:solidFill>
+                  <a:srgbClr val="615474"/>
+                </a:solidFill>
+              </a:rPr>
+              <a:t>10/2/2021</a:t>
+            </a:r>
+          </a:p>
+        </p:txBody>
+      </p:sp>
+      <p:sp>
+        <p:nvSpPr>
+          <p:cNvPr id="6" name="Footer Placeholder 5"/>
+          <p:cNvSpPr>
+            <a:spLocks noGrp="1"/>
+          </p:cNvSpPr>
+          <p:nvPr>
+            <p:ph type="ftr" sz="quarter" idx="11"/>
+          </p:nvPr>
+        </p:nvSpPr>
+        <p:spPr/>
+        <p:txBody>
+          <a:bodyPr/>
+          <a:lstStyle/>
+          <a:p>
+            <a:pPr defTabSz="685766"/>
+            <a:endParaRPr lang="en-US" dirty="0">
+              <a:solidFill>
+                <a:srgbClr val="3D4149">
+                  <a:lumMod val="60000"/>
+                  <a:lumOff val="40000"/>
+                </a:srgbClr>
+              </a:solidFill>
+              <a:latin typeface="Calibri" panose="020F0502020204030204"/>
+            </a:endParaRPr>
+          </a:p>
+        </p:txBody>
+      </p:sp>
+      <p:sp>
+        <p:nvSpPr>
+          <p:cNvPr id="7" name="Slide Number Placeholder 6"/>
+          <p:cNvSpPr>
+            <a:spLocks noGrp="1"/>
+          </p:cNvSpPr>
+          <p:nvPr>
+            <p:ph type="sldNum" sz="quarter" idx="12"/>
+          </p:nvPr>
+        </p:nvSpPr>
+        <p:spPr/>
+        <p:txBody>
+          <a:bodyPr/>
+          <a:lstStyle/>
+          <a:p>
+            <a:pPr defTabSz="685766"/>
+            <a:fld id="{51F02384-994A-4C3C-8656-0CE2B6A3B91B}" type="slidenum">
+              <a:rPr lang="en-US">
+                <a:solidFill>
+                  <a:srgbClr val="3D4149">
+                    <a:lumMod val="60000"/>
+                    <a:lumOff val="40000"/>
+                  </a:srgbClr>
+                </a:solidFill>
+                <a:latin typeface="Calibri" panose="020F0502020204030204"/>
+              </a:rPr>
+              <a:pPr defTabSz="685766"/>
+              <a:t>7</a:t>
+            </a:fld>
+            <a:endParaRPr lang="en-US">
+              <a:solidFill>
+                <a:srgbClr val="3D4149">
+                  <a:lumMod val="60000"/>
+                  <a:lumOff val="40000"/>
+                </a:srgbClr>
+              </a:solidFill>
+              <a:latin typeface="Calibri" panose="020F0502020204030204"/>
+            </a:endParaRPr>
+          </a:p>
+        </p:txBody>
+      </p:sp>
+      <p:sp>
+        <p:nvSpPr>
+          <p:cNvPr id="2" name="Text Placeholder 1">
+            <a:extLst>
+              <a:ext uri="{FF2B5EF4-FFF2-40B4-BE49-F238E27FC236}">
+                <a16:creationId xmlns:a16="http://schemas.microsoft.com/office/drawing/2014/main" id="{4003455D-F04B-4158-831F-D6226A117419}"/>
+              </a:ext>
+            </a:extLst>
+          </p:cNvPr>
+          <p:cNvSpPr>
+            <a:spLocks noGrp="1"/>
+          </p:cNvSpPr>
+          <p:nvPr>
+            <p:ph type="body" sz="quarter" idx="13"/>
+          </p:nvPr>
+        </p:nvSpPr>
+        <p:spPr/>
+        <p:txBody>
+          <a:bodyPr/>
+          <a:lstStyle/>
+          <a:p>
+            <a:r>
+              <a:rPr lang="en-US" dirty="0" smtClean="0"/>
+              <a:t>05</a:t>
+            </a:r>
+            <a:endParaRPr lang="en-US" dirty="0"/>
+          </a:p>
+        </p:txBody>
+      </p:sp>
+      <p:sp>
+        <p:nvSpPr>
+          <p:cNvPr id="9" name="AutoShape 2" descr="GitHub - arduino/Arduino: open-source electronics platform"/>
+          <p:cNvSpPr>
+            <a:spLocks noChangeAspect="1" noChangeArrowheads="1"/>
+          </p:cNvSpPr>
+          <p:nvPr/>
+        </p:nvSpPr>
+        <p:spPr bwMode="auto">
+          <a:xfrm>
+            <a:off x="2041552" y="2426154"/>
+            <a:ext cx="1245297" cy="1245301"/>
+          </a:xfrm>
+          <a:prstGeom prst="rect">
+            <a:avLst/>
+          </a:prstGeom>
+          <a:noFill/>
+          <a:extLst>
+            <a:ext uri="{909E8E84-426E-40DD-AFC4-6F175D3DCCD1}">
+              <a14:hiddenFill xmlns:a14="http://schemas.microsoft.com/office/drawing/2010/main">
+                <a:solidFill>
+                  <a:srgbClr val="FFFFFF"/>
+                </a:solidFill>
+              </a14:hiddenFill>
+            </a:ext>
+          </a:extLst>
+        </p:spPr>
+        <p:txBody>
+          <a:bodyPr vert="horz" wrap="square" lIns="91440" tIns="45720" rIns="91440" bIns="45720" numCol="1" anchor="t" anchorCtr="0" compatLnSpc="1">
+            <a:prstTxWarp prst="textNoShape">
+              <a:avLst/>
+            </a:prstTxWarp>
+          </a:bodyPr>
+          <a:lstStyle/>
+          <a:p>
+            <a:endParaRPr lang="en-US"/>
+          </a:p>
+        </p:txBody>
+      </p:sp>
+    </p:spTree>
+    <p:extLst>
+      <p:ext uri="{BB962C8B-B14F-4D97-AF65-F5344CB8AC3E}">
+        <p14:creationId xmlns:p14="http://schemas.microsoft.com/office/powerpoint/2010/main" val="2385513280"/>
+      </p:ext>
+    </p:extLst>
+  </p:cSld>
+  <p:clrMapOvr>
+    <a:masterClrMapping/>
+  </p:clrMapOvr>
+  <p:timing>
+    <p:tnLst>
+      <p:par>
+        <p:cTn id="1" dur="indefinite" restart="never" nodeType="tmRoot"/>
+      </p:par>
+    </p:tnLst>
+  </p:timing>
+</p:sld>
+</file>
+
+<file path=ppt/slides/slide8.xml><?xml version="1.0" encoding="utf-8"?>
+<p:sld xmlns:a="http://schemas.openxmlformats.org/drawingml/2006/main" xmlns:r="http://schemas.openxmlformats.org/officeDocument/2006/relationships" xmlns:p="http://schemas.openxmlformats.org/presentationml/2006/main">
+  <p:cSld>
+    <p:spTree>
+      <p:nvGrpSpPr>
+        <p:cNvPr id="1" name=""/>
+        <p:cNvGrpSpPr/>
+        <p:nvPr/>
+      </p:nvGrpSpPr>
+      <p:grpSpPr>
+        <a:xfrm>
+          <a:off x="0" y="0"/>
+          <a:ext cx="0" cy="0"/>
+          <a:chOff x="0" y="0"/>
+          <a:chExt cx="0" cy="0"/>
+        </a:xfrm>
+      </p:grpSpPr>
+      <p:sp>
+        <p:nvSpPr>
           <p:cNvPr id="7" name="Title 6">
             <a:extLst>
               <a:ext uri="{FF2B5EF4-FFF2-40B4-BE49-F238E27FC236}">
@@ -25131,7 +25611,7 @@
                 <a:latin typeface="Calibri" panose="020F0502020204030204"/>
               </a:rPr>
               <a:pPr defTabSz="685766"/>
-              <a:t>7</a:t>
+              <a:t>8</a:t>
             </a:fld>
             <a:endParaRPr lang="en-US">
               <a:solidFill>
